--- a/poster.pptx
+++ b/poster.pptx
@@ -3360,6 +3360,126 @@
           </a:p>
         </p:txBody>
       </p:sp>
+      <p:pic>
+        <p:nvPicPr>
+          <p:cNvPr id="2" name="Picture 1"/>
+          <p:cNvPicPr>
+            <a:picLocks noChangeAspect="1"/>
+          </p:cNvPicPr>
+          <p:nvPr/>
+        </p:nvPicPr>
+        <p:blipFill>
+          <a:blip r:embed="rId2">
+            <a:extLst>
+              <a:ext uri="{28A0092B-C50C-407E-A947-70E740481C1C}">
+                <a14:useLocalDpi xmlns:a14="http://schemas.microsoft.com/office/drawing/2010/main" val="0"/>
+              </a:ext>
+            </a:extLst>
+          </a:blip>
+          <a:stretch>
+            <a:fillRect/>
+          </a:stretch>
+        </p:blipFill>
+        <p:spPr>
+          <a:xfrm>
+            <a:off x="15490344" y="2079004"/>
+            <a:ext cx="2766943" cy="2766943"/>
+          </a:xfrm>
+          <a:prstGeom prst="rect">
+            <a:avLst/>
+          </a:prstGeom>
+        </p:spPr>
+      </p:pic>
+      <p:pic>
+        <p:nvPicPr>
+          <p:cNvPr id="3" name="Picture 2" descr="Folders Screen with phone.PNG"/>
+          <p:cNvPicPr>
+            <a:picLocks noChangeAspect="1"/>
+          </p:cNvPicPr>
+          <p:nvPr/>
+        </p:nvPicPr>
+        <p:blipFill>
+          <a:blip r:embed="rId3">
+            <a:extLst>
+              <a:ext uri="{28A0092B-C50C-407E-A947-70E740481C1C}">
+                <a14:useLocalDpi xmlns:a14="http://schemas.microsoft.com/office/drawing/2010/main" val="0"/>
+              </a:ext>
+            </a:extLst>
+          </a:blip>
+          <a:stretch>
+            <a:fillRect/>
+          </a:stretch>
+        </p:blipFill>
+        <p:spPr>
+          <a:xfrm>
+            <a:off x="15471246" y="5199031"/>
+            <a:ext cx="4740092" cy="9197578"/>
+          </a:xfrm>
+          <a:prstGeom prst="rect">
+            <a:avLst/>
+          </a:prstGeom>
+        </p:spPr>
+      </p:pic>
+      <p:pic>
+        <p:nvPicPr>
+          <p:cNvPr id="7" name="Picture 6" descr="Task Screen with phone.PNG"/>
+          <p:cNvPicPr>
+            <a:picLocks noChangeAspect="1"/>
+          </p:cNvPicPr>
+          <p:nvPr/>
+        </p:nvPicPr>
+        <p:blipFill>
+          <a:blip r:embed="rId4">
+            <a:extLst>
+              <a:ext uri="{28A0092B-C50C-407E-A947-70E740481C1C}">
+                <a14:useLocalDpi xmlns:a14="http://schemas.microsoft.com/office/drawing/2010/main" val="0"/>
+              </a:ext>
+            </a:extLst>
+          </a:blip>
+          <a:stretch>
+            <a:fillRect/>
+          </a:stretch>
+        </p:blipFill>
+        <p:spPr>
+          <a:xfrm>
+            <a:off x="22759239" y="14396609"/>
+            <a:ext cx="4740092" cy="9197578"/>
+          </a:xfrm>
+          <a:prstGeom prst="rect">
+            <a:avLst/>
+          </a:prstGeom>
+        </p:spPr>
+      </p:pic>
+      <p:pic>
+        <p:nvPicPr>
+          <p:cNvPr id="8" name="Picture 7"/>
+          <p:cNvPicPr>
+            <a:picLocks noChangeAspect="1"/>
+          </p:cNvPicPr>
+          <p:nvPr/>
+        </p:nvPicPr>
+        <p:blipFill>
+          <a:blip r:embed="rId5">
+            <a:extLst>
+              <a:ext uri="{28A0092B-C50C-407E-A947-70E740481C1C}">
+                <a14:useLocalDpi xmlns:a14="http://schemas.microsoft.com/office/drawing/2010/main" val="0"/>
+              </a:ext>
+            </a:extLst>
+          </a:blip>
+          <a:stretch>
+            <a:fillRect/>
+          </a:stretch>
+        </p:blipFill>
+        <p:spPr>
+          <a:xfrm>
+            <a:off x="15471246" y="23594187"/>
+            <a:ext cx="4720994" cy="9197578"/>
+          </a:xfrm>
+          <a:prstGeom prst="rect">
+            <a:avLst/>
+          </a:prstGeom>
+        </p:spPr>
+      </p:pic>
     </p:spTree>
     <p:extLst>
       <p:ext uri="{BB962C8B-B14F-4D97-AF65-F5344CB8AC3E}">

--- a/poster.pptx
+++ b/poster.pptx
@@ -288,7 +288,7 @@
           <a:p>
             <a:fld id="{6076E908-0716-444B-B980-98FC1FF8FE8F}" type="datetimeFigureOut">
               <a:rPr lang="en-US" smtClean="0"/>
-              <a:t>2/5/13</a:t>
+              <a:t>2/6/13</a:t>
             </a:fld>
             <a:endParaRPr lang="en-US"/>
           </a:p>
@@ -458,7 +458,7 @@
           <a:p>
             <a:fld id="{6076E908-0716-444B-B980-98FC1FF8FE8F}" type="datetimeFigureOut">
               <a:rPr lang="en-US" smtClean="0"/>
-              <a:t>2/5/13</a:t>
+              <a:t>2/6/13</a:t>
             </a:fld>
             <a:endParaRPr lang="en-US"/>
           </a:p>
@@ -638,7 +638,7 @@
           <a:p>
             <a:fld id="{6076E908-0716-444B-B980-98FC1FF8FE8F}" type="datetimeFigureOut">
               <a:rPr lang="en-US" smtClean="0"/>
-              <a:t>2/5/13</a:t>
+              <a:t>2/6/13</a:t>
             </a:fld>
             <a:endParaRPr lang="en-US"/>
           </a:p>
@@ -808,7 +808,7 @@
           <a:p>
             <a:fld id="{6076E908-0716-444B-B980-98FC1FF8FE8F}" type="datetimeFigureOut">
               <a:rPr lang="en-US" smtClean="0"/>
-              <a:t>2/5/13</a:t>
+              <a:t>2/6/13</a:t>
             </a:fld>
             <a:endParaRPr lang="en-US"/>
           </a:p>
@@ -1054,7 +1054,7 @@
           <a:p>
             <a:fld id="{6076E908-0716-444B-B980-98FC1FF8FE8F}" type="datetimeFigureOut">
               <a:rPr lang="en-US" smtClean="0"/>
-              <a:t>2/5/13</a:t>
+              <a:t>2/6/13</a:t>
             </a:fld>
             <a:endParaRPr lang="en-US"/>
           </a:p>
@@ -1342,7 +1342,7 @@
           <a:p>
             <a:fld id="{6076E908-0716-444B-B980-98FC1FF8FE8F}" type="datetimeFigureOut">
               <a:rPr lang="en-US" smtClean="0"/>
-              <a:t>2/5/13</a:t>
+              <a:t>2/6/13</a:t>
             </a:fld>
             <a:endParaRPr lang="en-US"/>
           </a:p>
@@ -1764,7 +1764,7 @@
           <a:p>
             <a:fld id="{6076E908-0716-444B-B980-98FC1FF8FE8F}" type="datetimeFigureOut">
               <a:rPr lang="en-US" smtClean="0"/>
-              <a:t>2/5/13</a:t>
+              <a:t>2/6/13</a:t>
             </a:fld>
             <a:endParaRPr lang="en-US"/>
           </a:p>
@@ -1882,7 +1882,7 @@
           <a:p>
             <a:fld id="{6076E908-0716-444B-B980-98FC1FF8FE8F}" type="datetimeFigureOut">
               <a:rPr lang="en-US" smtClean="0"/>
-              <a:t>2/5/13</a:t>
+              <a:t>2/6/13</a:t>
             </a:fld>
             <a:endParaRPr lang="en-US"/>
           </a:p>
@@ -1977,7 +1977,7 @@
           <a:p>
             <a:fld id="{6076E908-0716-444B-B980-98FC1FF8FE8F}" type="datetimeFigureOut">
               <a:rPr lang="en-US" smtClean="0"/>
-              <a:t>2/5/13</a:t>
+              <a:t>2/6/13</a:t>
             </a:fld>
             <a:endParaRPr lang="en-US"/>
           </a:p>
@@ -2254,7 +2254,7 @@
           <a:p>
             <a:fld id="{6076E908-0716-444B-B980-98FC1FF8FE8F}" type="datetimeFigureOut">
               <a:rPr lang="en-US" smtClean="0"/>
-              <a:t>2/5/13</a:t>
+              <a:t>2/6/13</a:t>
             </a:fld>
             <a:endParaRPr lang="en-US"/>
           </a:p>
@@ -2507,7 +2507,7 @@
           <a:p>
             <a:fld id="{6076E908-0716-444B-B980-98FC1FF8FE8F}" type="datetimeFigureOut">
               <a:rPr lang="en-US" smtClean="0"/>
-              <a:t>2/5/13</a:t>
+              <a:t>2/6/13</a:t>
             </a:fld>
             <a:endParaRPr lang="en-US"/>
           </a:p>
@@ -2720,7 +2720,7 @@
           <a:p>
             <a:fld id="{6076E908-0716-444B-B980-98FC1FF8FE8F}" type="datetimeFigureOut">
               <a:rPr lang="en-US" smtClean="0"/>
-              <a:t>2/5/13</a:t>
+              <a:t>2/6/13</a:t>
             </a:fld>
             <a:endParaRPr lang="en-US"/>
           </a:p>
@@ -3442,7 +3442,7 @@
         </p:blipFill>
         <p:spPr>
           <a:xfrm>
-            <a:off x="22759239" y="14396609"/>
+            <a:off x="20389193" y="14396609"/>
             <a:ext cx="4740092" cy="9197578"/>
           </a:xfrm>
           <a:prstGeom prst="rect">
@@ -3474,6 +3474,36 @@
           <a:xfrm>
             <a:off x="15471246" y="23594187"/>
             <a:ext cx="4720994" cy="9197578"/>
+          </a:xfrm>
+          <a:prstGeom prst="rect">
+            <a:avLst/>
+          </a:prstGeom>
+        </p:spPr>
+      </p:pic>
+      <p:pic>
+        <p:nvPicPr>
+          <p:cNvPr id="9" name="Picture 8" descr="uml%20presentation.png"/>
+          <p:cNvPicPr>
+            <a:picLocks noChangeAspect="1"/>
+          </p:cNvPicPr>
+          <p:nvPr/>
+        </p:nvPicPr>
+        <p:blipFill>
+          <a:blip r:embed="rId6">
+            <a:extLst>
+              <a:ext uri="{28A0092B-C50C-407E-A947-70E740481C1C}">
+                <a14:useLocalDpi xmlns:a14="http://schemas.microsoft.com/office/drawing/2010/main" val="0"/>
+              </a:ext>
+            </a:extLst>
+          </a:blip>
+          <a:stretch>
+            <a:fillRect/>
+          </a:stretch>
+        </p:blipFill>
+        <p:spPr>
+          <a:xfrm>
+            <a:off x="25266036" y="20865203"/>
+            <a:ext cx="17876032" cy="10952733"/>
           </a:xfrm>
           <a:prstGeom prst="rect">
             <a:avLst/>

--- a/poster.pptx
+++ b/poster.pptx
@@ -3510,6 +3510,37 @@
           </a:prstGeom>
         </p:spPr>
       </p:pic>
+      <p:sp>
+        <p:nvSpPr>
+          <p:cNvPr id="10" name="TextBox 9"/>
+          <p:cNvSpPr txBox="1"/>
+          <p:nvPr/>
+        </p:nvSpPr>
+        <p:spPr>
+          <a:xfrm>
+            <a:off x="29210184" y="17118396"/>
+            <a:ext cx="11761378" cy="1415772"/>
+          </a:xfrm>
+          <a:prstGeom prst="rect">
+            <a:avLst/>
+          </a:prstGeom>
+          <a:noFill/>
+        </p:spPr>
+        <p:txBody>
+          <a:bodyPr wrap="square" rtlCol="0">
+            <a:spAutoFit/>
+          </a:bodyPr>
+          <a:lstStyle/>
+          <a:p>
+            <a:pPr algn="ctr"/>
+            <a:r>
+              <a:rPr lang="en-US" dirty="0" smtClean="0"/>
+              <a:t>UML Diagram</a:t>
+            </a:r>
+            <a:endParaRPr lang="en-US" dirty="0"/>
+          </a:p>
+        </p:txBody>
+      </p:sp>
     </p:spTree>
     <p:extLst>
       <p:ext uri="{BB962C8B-B14F-4D97-AF65-F5344CB8AC3E}">

--- a/poster.pptx
+++ b/poster.pptx
@@ -3482,7 +3482,7 @@
       </p:pic>
       <p:pic>
         <p:nvPicPr>
-          <p:cNvPr id="9" name="Picture 8" descr="uml%20presentation.png"/>
+          <p:cNvPr id="9" name="Picture 8"/>
           <p:cNvPicPr>
             <a:picLocks noChangeAspect="1"/>
           </p:cNvPicPr>
@@ -3502,8 +3502,8 @@
         </p:blipFill>
         <p:spPr>
           <a:xfrm>
-            <a:off x="25266036" y="20865203"/>
-            <a:ext cx="17876032" cy="10952733"/>
+            <a:off x="25266036" y="19511724"/>
+            <a:ext cx="17876032" cy="8938016"/>
           </a:xfrm>
           <a:prstGeom prst="rect">
             <a:avLst/>

--- a/poster.pptx
+++ b/poster.pptx
@@ -288,7 +288,7 @@
           <a:p>
             <a:fld id="{6076E908-0716-444B-B980-98FC1FF8FE8F}" type="datetimeFigureOut">
               <a:rPr lang="en-US" smtClean="0"/>
-              <a:t>2/6/13</a:t>
+              <a:t>2/8/2013</a:t>
             </a:fld>
             <a:endParaRPr lang="en-US"/>
           </a:p>
@@ -458,7 +458,7 @@
           <a:p>
             <a:fld id="{6076E908-0716-444B-B980-98FC1FF8FE8F}" type="datetimeFigureOut">
               <a:rPr lang="en-US" smtClean="0"/>
-              <a:t>2/6/13</a:t>
+              <a:t>2/8/2013</a:t>
             </a:fld>
             <a:endParaRPr lang="en-US"/>
           </a:p>
@@ -638,7 +638,7 @@
           <a:p>
             <a:fld id="{6076E908-0716-444B-B980-98FC1FF8FE8F}" type="datetimeFigureOut">
               <a:rPr lang="en-US" smtClean="0"/>
-              <a:t>2/6/13</a:t>
+              <a:t>2/8/2013</a:t>
             </a:fld>
             <a:endParaRPr lang="en-US"/>
           </a:p>
@@ -808,7 +808,7 @@
           <a:p>
             <a:fld id="{6076E908-0716-444B-B980-98FC1FF8FE8F}" type="datetimeFigureOut">
               <a:rPr lang="en-US" smtClean="0"/>
-              <a:t>2/6/13</a:t>
+              <a:t>2/8/2013</a:t>
             </a:fld>
             <a:endParaRPr lang="en-US"/>
           </a:p>
@@ -1054,7 +1054,7 @@
           <a:p>
             <a:fld id="{6076E908-0716-444B-B980-98FC1FF8FE8F}" type="datetimeFigureOut">
               <a:rPr lang="en-US" smtClean="0"/>
-              <a:t>2/6/13</a:t>
+              <a:t>2/8/2013</a:t>
             </a:fld>
             <a:endParaRPr lang="en-US"/>
           </a:p>
@@ -1342,7 +1342,7 @@
           <a:p>
             <a:fld id="{6076E908-0716-444B-B980-98FC1FF8FE8F}" type="datetimeFigureOut">
               <a:rPr lang="en-US" smtClean="0"/>
-              <a:t>2/6/13</a:t>
+              <a:t>2/8/2013</a:t>
             </a:fld>
             <a:endParaRPr lang="en-US"/>
           </a:p>
@@ -1764,7 +1764,7 @@
           <a:p>
             <a:fld id="{6076E908-0716-444B-B980-98FC1FF8FE8F}" type="datetimeFigureOut">
               <a:rPr lang="en-US" smtClean="0"/>
-              <a:t>2/6/13</a:t>
+              <a:t>2/8/2013</a:t>
             </a:fld>
             <a:endParaRPr lang="en-US"/>
           </a:p>
@@ -1882,7 +1882,7 @@
           <a:p>
             <a:fld id="{6076E908-0716-444B-B980-98FC1FF8FE8F}" type="datetimeFigureOut">
               <a:rPr lang="en-US" smtClean="0"/>
-              <a:t>2/6/13</a:t>
+              <a:t>2/8/2013</a:t>
             </a:fld>
             <a:endParaRPr lang="en-US"/>
           </a:p>
@@ -1977,7 +1977,7 @@
           <a:p>
             <a:fld id="{6076E908-0716-444B-B980-98FC1FF8FE8F}" type="datetimeFigureOut">
               <a:rPr lang="en-US" smtClean="0"/>
-              <a:t>2/6/13</a:t>
+              <a:t>2/8/2013</a:t>
             </a:fld>
             <a:endParaRPr lang="en-US"/>
           </a:p>
@@ -2254,7 +2254,7 @@
           <a:p>
             <a:fld id="{6076E908-0716-444B-B980-98FC1FF8FE8F}" type="datetimeFigureOut">
               <a:rPr lang="en-US" smtClean="0"/>
-              <a:t>2/6/13</a:t>
+              <a:t>2/8/2013</a:t>
             </a:fld>
             <a:endParaRPr lang="en-US"/>
           </a:p>
@@ -2507,7 +2507,7 @@
           <a:p>
             <a:fld id="{6076E908-0716-444B-B980-98FC1FF8FE8F}" type="datetimeFigureOut">
               <a:rPr lang="en-US" smtClean="0"/>
-              <a:t>2/6/13</a:t>
+              <a:t>2/8/2013</a:t>
             </a:fld>
             <a:endParaRPr lang="en-US"/>
           </a:p>
@@ -2720,7 +2720,7 @@
           <a:p>
             <a:fld id="{6076E908-0716-444B-B980-98FC1FF8FE8F}" type="datetimeFigureOut">
               <a:rPr lang="en-US" smtClean="0"/>
-              <a:t>2/6/13</a:t>
+              <a:t>2/8/2013</a:t>
             </a:fld>
             <a:endParaRPr lang="en-US"/>
           </a:p>
@@ -3502,7 +3502,7 @@
         </p:blipFill>
         <p:spPr>
           <a:xfrm>
-            <a:off x="25266036" y="19511724"/>
+            <a:off x="25266036" y="16213353"/>
             <a:ext cx="17876032" cy="8938016"/>
           </a:xfrm>
           <a:prstGeom prst="rect">
@@ -3518,7 +3518,7 @@
         </p:nvSpPr>
         <p:spPr>
           <a:xfrm>
-            <a:off x="29210184" y="17118396"/>
+            <a:off x="29210184" y="14396609"/>
             <a:ext cx="11761378" cy="1415772"/>
           </a:xfrm>
           <a:prstGeom prst="rect">
@@ -3536,6 +3536,71 @@
             <a:r>
               <a:rPr lang="en-US" dirty="0" smtClean="0"/>
               <a:t>UML Diagram</a:t>
+            </a:r>
+            <a:endParaRPr lang="en-US" dirty="0"/>
+          </a:p>
+        </p:txBody>
+      </p:sp>
+      <p:pic>
+        <p:nvPicPr>
+          <p:cNvPr id="12" name="Picture 11"/>
+          <p:cNvPicPr>
+            <a:picLocks noChangeAspect="1"/>
+          </p:cNvPicPr>
+          <p:nvPr/>
+        </p:nvPicPr>
+        <p:blipFill>
+          <a:blip r:embed="rId7">
+            <a:extLst>
+              <a:ext uri="{28A0092B-C50C-407E-A947-70E740481C1C}">
+                <a14:useLocalDpi xmlns:a14="http://schemas.microsoft.com/office/drawing/2010/main" val="0"/>
+              </a:ext>
+            </a:extLst>
+          </a:blip>
+          <a:stretch>
+            <a:fillRect/>
+          </a:stretch>
+        </p:blipFill>
+        <p:spPr>
+          <a:xfrm>
+            <a:off x="28895351" y="26861054"/>
+            <a:ext cx="12076211" cy="5209346"/>
+          </a:xfrm>
+          <a:prstGeom prst="rect">
+            <a:avLst/>
+          </a:prstGeom>
+        </p:spPr>
+      </p:pic>
+      <p:sp>
+        <p:nvSpPr>
+          <p:cNvPr id="11" name="TextBox 10"/>
+          <p:cNvSpPr txBox="1"/>
+          <p:nvPr/>
+        </p:nvSpPr>
+        <p:spPr>
+          <a:xfrm>
+            <a:off x="29052768" y="25445282"/>
+            <a:ext cx="11761378" cy="1415772"/>
+          </a:xfrm>
+          <a:prstGeom prst="rect">
+            <a:avLst/>
+          </a:prstGeom>
+          <a:noFill/>
+        </p:spPr>
+        <p:txBody>
+          <a:bodyPr wrap="square" rtlCol="0">
+            <a:spAutoFit/>
+          </a:bodyPr>
+          <a:lstStyle/>
+          <a:p>
+            <a:pPr algn="ctr"/>
+            <a:r>
+              <a:rPr lang="en-US" dirty="0" smtClean="0"/>
+              <a:t>ER</a:t>
+            </a:r>
+            <a:r>
+              <a:rPr lang="en-US" dirty="0" smtClean="0"/>
+              <a:t> Diagram (SQLite)</a:t>
             </a:r>
             <a:endParaRPr lang="en-US" dirty="0"/>
           </a:p>
@@ -3554,7 +3619,7 @@
   <p:timing>
     <p:tnLst>
       <p:par>
-        <p:cTn xmlns:p14="http://schemas.microsoft.com/office/powerpoint/2010/main" id="1" dur="indefinite" restart="never" nodeType="tmRoot"/>
+        <p:cTn id="1" dur="indefinite" restart="never" nodeType="tmRoot"/>
       </p:par>
     </p:tnLst>
   </p:timing>
